--- a/Projektin x loppuraportti 2022 Windows ohjelmointi.pptx
+++ b/Projektin x loppuraportti 2022 Windows ohjelmointi.pptx
@@ -226,7 +226,7 @@
           <a:p>
             <a:fld id="{728DCC7C-D4B2-4FD4-9DE2-6862DB4E87D9}" type="datetimeFigureOut">
               <a:rPr lang="fi-FI" noProof="1" dirty="0" smtClean="0"/>
-              <a:t>12.12.2022</a:t>
+              <a:t>13.12.2022</a:t>
             </a:fld>
             <a:endParaRPr lang="fi-FI" noProof="1"/>
           </a:p>
@@ -404,7 +404,7 @@
           <a:p>
             <a:fld id="{7619C84C-D31B-4155-B328-D2866F9F8C1B}" type="datetimeFigureOut">
               <a:rPr lang="fi-FI" noProof="1" dirty="0" smtClean="0"/>
-              <a:t>12.12.2022</a:t>
+              <a:t>13.12.2022</a:t>
             </a:fld>
             <a:endParaRPr lang="fi-FI" noProof="1"/>
           </a:p>
@@ -851,7 +851,7 @@
           <a:effectLst/>
           <a:extLst>
             <a:ext uri="{91240B29-F687-4f45-9708-019B960494DF}">
-              <a14:hiddenLine xmlns:a14="http://schemas.microsoft.com/office/drawing/2010/main" xmlns="" w="9525">
+              <a14:hiddenLine xmlns="" xmlns:a14="http://schemas.microsoft.com/office/drawing/2010/main" w="9525">
                 <a:solidFill>
                   <a:srgbClr val="000000"/>
                 </a:solidFill>
@@ -1044,7 +1044,7 @@
             <a:pPr rtl="0"/>
             <a:fld id="{7704D14E-2BA8-4E31-9CDF-64BFC63142E7}" type="datetime1">
               <a:rPr lang="fi-FI" noProof="0" smtClean="0"/>
-              <a:t>12.12.2022</a:t>
+              <a:t>13.12.2022</a:t>
             </a:fld>
             <a:endParaRPr lang="fi-FI" noProof="0"/>
           </a:p>
@@ -1366,7 +1366,7 @@
             <a:pPr rtl="0"/>
             <a:fld id="{9D36A9BA-9604-4029-BBD7-5A82499EA49F}" type="datetime1">
               <a:rPr lang="fi-FI" noProof="0" smtClean="0"/>
-              <a:t>12.12.2022</a:t>
+              <a:t>13.12.2022</a:t>
             </a:fld>
             <a:endParaRPr lang="fi-FI" noProof="0"/>
           </a:p>
@@ -1858,7 +1858,7 @@
             <a:pPr rtl="0"/>
             <a:fld id="{FB8DEFD8-5944-43EB-89C7-F4D352B8D808}" type="datetime1">
               <a:rPr lang="fi-FI" noProof="1" smtClean="0"/>
-              <a:t>12.12.2022</a:t>
+              <a:t>13.12.2022</a:t>
             </a:fld>
             <a:endParaRPr lang="fi-FI" noProof="1"/>
           </a:p>
@@ -2231,7 +2231,7 @@
             <a:pPr rtl="0"/>
             <a:fld id="{C02FCDCF-A6A1-44F1-A2FE-FB0855AE303B}" type="datetime1">
               <a:rPr lang="fi-FI" noProof="1" smtClean="0"/>
-              <a:t>12.12.2022</a:t>
+              <a:t>13.12.2022</a:t>
             </a:fld>
             <a:endParaRPr lang="fi-FI" noProof="1"/>
           </a:p>
@@ -2389,7 +2389,7 @@
           <a:ln/>
           <a:extLst>
             <a:ext uri="{91240B29-F687-4f45-9708-019B960494DF}">
-              <a14:hiddenLine xmlns:a14="http://schemas.microsoft.com/office/drawing/2010/main" xmlns="" w="9525">
+              <a14:hiddenLine xmlns="" xmlns:a14="http://schemas.microsoft.com/office/drawing/2010/main" w="9525">
                 <a:solidFill>
                   <a:srgbClr val="000000"/>
                 </a:solidFill>
@@ -2507,7 +2507,7 @@
             <a:pPr rtl="0"/>
             <a:fld id="{97342C81-4A6A-46F9-B716-D3FE3F6389CC}" type="datetime1">
               <a:rPr lang="fi-FI" noProof="1" smtClean="0"/>
-              <a:t>12.12.2022</a:t>
+              <a:t>13.12.2022</a:t>
             </a:fld>
             <a:endParaRPr lang="fi-FI" noProof="1"/>
           </a:p>
@@ -2667,7 +2667,7 @@
           <a:ln/>
           <a:extLst>
             <a:ext uri="{91240B29-F687-4f45-9708-019B960494DF}">
-              <a14:hiddenLine xmlns:a14="http://schemas.microsoft.com/office/drawing/2010/main" xmlns="" w="9525">
+              <a14:hiddenLine xmlns="" xmlns:a14="http://schemas.microsoft.com/office/drawing/2010/main" w="9525">
                 <a:solidFill>
                   <a:srgbClr val="000000"/>
                 </a:solidFill>
@@ -2795,7 +2795,7 @@
             <a:pPr rtl="0"/>
             <a:fld id="{243B64C7-00B2-4E6A-8D3C-F51BE800932E}" type="datetime1">
               <a:rPr lang="fi-FI" noProof="1" smtClean="0"/>
-              <a:t>12.12.2022</a:t>
+              <a:t>13.12.2022</a:t>
             </a:fld>
             <a:endParaRPr lang="fi-FI" noProof="1"/>
           </a:p>
@@ -2960,7 +2960,7 @@
           </a:ln>
           <a:extLst>
             <a:ext uri="{91240B29-F687-4f45-9708-019B960494DF}">
-              <a14:hiddenLine xmlns:a14="http://schemas.microsoft.com/office/drawing/2010/main" xmlns="" w="9525">
+              <a14:hiddenLine xmlns="" xmlns:a14="http://schemas.microsoft.com/office/drawing/2010/main" w="9525">
                 <a:solidFill>
                   <a:srgbClr val="000000"/>
                 </a:solidFill>
@@ -3088,7 +3088,7 @@
             <a:pPr rtl="0"/>
             <a:fld id="{B0DC7BA5-7EF6-4326-973D-37B2591444DF}" type="datetime1">
               <a:rPr lang="fi-FI" noProof="0" smtClean="0"/>
-              <a:t>12.12.2022</a:t>
+              <a:t>13.12.2022</a:t>
             </a:fld>
             <a:endParaRPr lang="fi-FI" noProof="0"/>
           </a:p>
@@ -3438,7 +3438,7 @@
             <a:pPr rtl="0"/>
             <a:fld id="{516853DF-E59F-43E4-A564-652BD6C48E75}" type="datetime1">
               <a:rPr lang="fi-FI" noProof="0" smtClean="0"/>
-              <a:t>12.12.2022</a:t>
+              <a:t>13.12.2022</a:t>
             </a:fld>
             <a:endParaRPr lang="fi-FI" noProof="0"/>
           </a:p>
@@ -3596,7 +3596,7 @@
           <a:ln/>
           <a:extLst>
             <a:ext uri="{91240B29-F687-4f45-9708-019B960494DF}">
-              <a14:hiddenLine xmlns:a14="http://schemas.microsoft.com/office/drawing/2010/main" xmlns="" w="9525">
+              <a14:hiddenLine xmlns="" xmlns:a14="http://schemas.microsoft.com/office/drawing/2010/main" w="9525">
                 <a:solidFill>
                   <a:srgbClr val="000000"/>
                 </a:solidFill>
@@ -3779,7 +3779,7 @@
             <a:pPr rtl="0"/>
             <a:fld id="{9563A1C9-ACE2-4F82-A03D-34A8FA0F094D}" type="datetime1">
               <a:rPr lang="fi-FI" noProof="1" smtClean="0"/>
-              <a:t>12.12.2022</a:t>
+              <a:t>13.12.2022</a:t>
             </a:fld>
             <a:endParaRPr lang="fi-FI" noProof="1"/>
           </a:p>
@@ -3937,7 +3937,7 @@
           <a:ln/>
           <a:extLst>
             <a:ext uri="{91240B29-F687-4f45-9708-019B960494DF}">
-              <a14:hiddenLine xmlns:a14="http://schemas.microsoft.com/office/drawing/2010/main" xmlns="" w="9525">
+              <a14:hiddenLine xmlns="" xmlns:a14="http://schemas.microsoft.com/office/drawing/2010/main" w="9525">
                 <a:solidFill>
                   <a:srgbClr val="000000"/>
                 </a:solidFill>
@@ -4258,7 +4258,7 @@
             <a:pPr rtl="0"/>
             <a:fld id="{1FECCA8A-4487-441F-95BD-14A0EA78F31D}" type="datetime1">
               <a:rPr lang="fi-FI" noProof="1" smtClean="0"/>
-              <a:t>12.12.2022</a:t>
+              <a:t>13.12.2022</a:t>
             </a:fld>
             <a:endParaRPr lang="fi-FI" noProof="1"/>
           </a:p>
@@ -4416,7 +4416,7 @@
           <a:ln/>
           <a:extLst>
             <a:ext uri="{91240B29-F687-4f45-9708-019B960494DF}">
-              <a14:hiddenLine xmlns:a14="http://schemas.microsoft.com/office/drawing/2010/main" xmlns="" w="9525">
+              <a14:hiddenLine xmlns="" xmlns:a14="http://schemas.microsoft.com/office/drawing/2010/main" w="9525">
                 <a:solidFill>
                   <a:srgbClr val="000000"/>
                 </a:solidFill>
@@ -4483,7 +4483,7 @@
             <a:pPr rtl="0"/>
             <a:fld id="{534DE450-F699-42CC-AC96-E70EC45BA5C0}" type="datetime1">
               <a:rPr lang="fi-FI" noProof="1" smtClean="0"/>
-              <a:t>12.12.2022</a:t>
+              <a:t>13.12.2022</a:t>
             </a:fld>
             <a:endParaRPr lang="fi-FI" noProof="1"/>
           </a:p>
@@ -4582,7 +4582,7 @@
             <a:pPr rtl="0"/>
             <a:fld id="{2F0B3F2A-E290-4659-BC27-3244A87C3933}" type="datetime1">
               <a:rPr lang="fi-FI" noProof="1" smtClean="0"/>
-              <a:t>12.12.2022</a:t>
+              <a:t>13.12.2022</a:t>
             </a:fld>
             <a:endParaRPr lang="fi-FI" noProof="1"/>
           </a:p>
@@ -4853,7 +4853,7 @@
           <a:ln/>
           <a:extLst>
             <a:ext uri="{91240B29-F687-4f45-9708-019B960494DF}">
-              <a14:hiddenLine xmlns:a14="http://schemas.microsoft.com/office/drawing/2010/main" xmlns="" w="9525">
+              <a14:hiddenLine xmlns="" xmlns:a14="http://schemas.microsoft.com/office/drawing/2010/main" w="9525">
                 <a:solidFill>
                   <a:srgbClr val="000000"/>
                 </a:solidFill>
@@ -5052,7 +5052,7 @@
             <a:pPr rtl="0"/>
             <a:fld id="{037786A2-9980-4216-AD01-D2FF4661C130}" type="datetime1">
               <a:rPr lang="fi-FI" noProof="1" smtClean="0"/>
-              <a:t>12.12.2022</a:t>
+              <a:t>13.12.2022</a:t>
             </a:fld>
             <a:endParaRPr lang="fi-FI" noProof="1"/>
           </a:p>
@@ -5369,7 +5369,7 @@
             <a:pPr rtl="0"/>
             <a:fld id="{9461F971-9F12-483A-B744-92F484D1BAD5}" type="datetime1">
               <a:rPr lang="fi-FI" noProof="1" smtClean="0"/>
-              <a:t>12.12.2022</a:t>
+              <a:t>13.12.2022</a:t>
             </a:fld>
             <a:endParaRPr lang="fi-FI" noProof="1"/>
           </a:p>
@@ -5643,7 +5643,7 @@
             <a:pPr rtl="0"/>
             <a:fld id="{A4206FCB-0973-49FE-BDCD-EE10B10F0622}" type="datetime1">
               <a:rPr lang="fi-FI" noProof="0" smtClean="0"/>
-              <a:t>12.12.2022</a:t>
+              <a:t>13.12.2022</a:t>
             </a:fld>
             <a:endParaRPr lang="fi-FI" noProof="0"/>
           </a:p>
@@ -6214,46 +6214,6 @@
       </p:pic>
       <p:sp>
         <p:nvSpPr>
-          <p:cNvPr id="2" name="Otsikko 1">
-            <a:extLst>
-              <a:ext uri="{FF2B5EF4-FFF2-40B4-BE49-F238E27FC236}">
-                <a16:creationId xmlns:a16="http://schemas.microsoft.com/office/drawing/2014/main" id="{F266081D-517B-5D43-A7B4-E67DDEDC0B31}"/>
-              </a:ext>
-            </a:extLst>
-          </p:cNvPr>
-          <p:cNvSpPr>
-            <a:spLocks noGrp="1"/>
-          </p:cNvSpPr>
-          <p:nvPr>
-            <p:ph type="ctrTitle"/>
-          </p:nvPr>
-        </p:nvSpPr>
-        <p:spPr>
-          <a:xfrm>
-            <a:off x="810001" y="4902200"/>
-            <a:ext cx="10572000" cy="694862"/>
-          </a:xfrm>
-        </p:spPr>
-        <p:txBody>
-          <a:bodyPr rtlCol="0">
-            <a:noAutofit/>
-          </a:bodyPr>
-          <a:lstStyle/>
-          <a:p>
-            <a:pPr rtl="0">
-              <a:lnSpc>
-                <a:spcPct val="90000"/>
-              </a:lnSpc>
-            </a:pPr>
-            <a:r>
-              <a:rPr lang="fi-FI" sz="7200" noProof="1"/>
-              <a:t>Windows Sovelluksen loppuraportti</a:t>
-            </a:r>
-          </a:p>
-        </p:txBody>
-      </p:sp>
-      <p:sp>
-        <p:nvSpPr>
           <p:cNvPr id="4" name="Alaotsikko 3">
             <a:extLst>
               <a:ext uri="{FF2B5EF4-FFF2-40B4-BE49-F238E27FC236}">
@@ -6270,19 +6230,22 @@
         </p:nvSpPr>
         <p:spPr>
           <a:xfrm>
-            <a:off x="810001" y="5594110"/>
+            <a:off x="810001" y="5718620"/>
             <a:ext cx="10572000" cy="434974"/>
           </a:xfrm>
         </p:spPr>
         <p:txBody>
           <a:bodyPr rtlCol="0">
-            <a:normAutofit/>
+            <a:noAutofit/>
           </a:bodyPr>
           <a:lstStyle/>
           <a:p>
-            <a:pPr rtl="0"/>
-            <a:r>
-              <a:rPr lang="fi-FI" noProof="1"/>
+            <a:pPr algn="ctr" rtl="0"/>
+            <a:r>
+              <a:rPr lang="fi-FI" sz="2400" u="sng" noProof="1">
+                <a:latin typeface="+mj-lt"/>
+                <a:cs typeface="Calibri" panose="020F0502020204030204" pitchFamily="34" charset="0"/>
+              </a:rPr>
               <a:t>MeowPlayer</a:t>
             </a:r>
           </a:p>
@@ -6302,8 +6265,8 @@
         </p:nvSpPr>
         <p:spPr>
           <a:xfrm>
-            <a:off x="8475918" y="6453096"/>
-            <a:ext cx="3716082" cy="338554"/>
+            <a:off x="8688477" y="6462967"/>
+            <a:ext cx="3552576" cy="307777"/>
           </a:xfrm>
           <a:prstGeom prst="rect">
             <a:avLst/>
@@ -6317,11 +6280,54 @@
           <a:lstStyle/>
           <a:p>
             <a:r>
-              <a:rPr lang="fi-FI" sz="1600" dirty="0">
-                <a:latin typeface="Arial" panose="020B0604020202020204" pitchFamily="34" charset="0"/>
-                <a:cs typeface="Arial" panose="020B0604020202020204" pitchFamily="34" charset="0"/>
+              <a:rPr lang="fi-FI" sz="1400" dirty="0">
+                <a:latin typeface="+mj-lt"/>
+                <a:cs typeface="Calibri" panose="020F0502020204030204" pitchFamily="34" charset="0"/>
               </a:rPr>
               <a:t>Susanne Järvenpää &amp; Joni Harrinkoski</a:t>
+            </a:r>
+          </a:p>
+        </p:txBody>
+      </p:sp>
+      <p:sp>
+        <p:nvSpPr>
+          <p:cNvPr id="6" name="Otsikko 5">
+            <a:extLst>
+              <a:ext uri="{FF2B5EF4-FFF2-40B4-BE49-F238E27FC236}">
+                <a16:creationId xmlns:a16="http://schemas.microsoft.com/office/drawing/2014/main" id="{8BCA95BF-FD85-1141-B8D0-F13843F59F88}"/>
+              </a:ext>
+            </a:extLst>
+          </p:cNvPr>
+          <p:cNvSpPr>
+            <a:spLocks noGrp="1"/>
+          </p:cNvSpPr>
+          <p:nvPr>
+            <p:ph type="ctrTitle"/>
+          </p:nvPr>
+        </p:nvSpPr>
+        <p:spPr>
+          <a:xfrm>
+            <a:off x="809999" y="3840286"/>
+            <a:ext cx="10572000" cy="1878334"/>
+          </a:xfrm>
+        </p:spPr>
+        <p:txBody>
+          <a:bodyPr/>
+          <a:lstStyle/>
+          <a:p>
+            <a:pPr algn="ctr"/>
+            <a:r>
+              <a:rPr lang="fi-FI" dirty="0">
+                <a:effectLst>
+                  <a:outerShdw blurRad="38100" dist="38100" dir="2700000" algn="tl">
+                    <a:srgbClr val="000000">
+                      <a:alpha val="43137"/>
+                    </a:srgbClr>
+                  </a:outerShdw>
+                </a:effectLst>
+                <a:cs typeface="Calibri" panose="020F0502020204030204" pitchFamily="34" charset="0"/>
+              </a:rPr>
+              <a:t>Windows Ohjelmointi Loppuraportti</a:t>
             </a:r>
           </a:p>
         </p:txBody>
@@ -6407,7 +6413,7 @@
           <a:p>
             <a:r>
               <a:rPr lang="fi-FI" dirty="0"/>
-              <a:t>Millaiset kokemukset tiimillä tuli sidosryhmistä</a:t>
+              <a:t>Kokemukset sidosryhmistä</a:t>
             </a:r>
           </a:p>
           <a:p>
@@ -6739,7 +6745,23 @@
           <a:p>
             <a:r>
               <a:rPr lang="fi-FI" dirty="0"/>
-              <a:t>Joni Harrinkoski, koodaaja</a:t>
+              <a:t>Joni Harrinkoski, </a:t>
+            </a:r>
+            <a:r>
+              <a:rPr lang="fi-FI" dirty="0" err="1"/>
+              <a:t>Scrum</a:t>
+            </a:r>
+            <a:r>
+              <a:rPr lang="fi-FI" dirty="0"/>
+              <a:t> </a:t>
+            </a:r>
+            <a:r>
+              <a:rPr lang="fi-FI" dirty="0" err="1"/>
+              <a:t>master</a:t>
+            </a:r>
+            <a:r>
+              <a:rPr lang="fi-FI" dirty="0"/>
+              <a:t>, koodaaja</a:t>
             </a:r>
           </a:p>
         </p:txBody>
@@ -6831,7 +6853,7 @@
           <a:p>
             <a:r>
               <a:rPr lang="fi-FI" dirty="0"/>
-              <a:t>Sovelluksen asiakkaita ovat he jotka haluavat kuunnella musiikkia tietokoneella</a:t>
+              <a:t>Sovelluksen asiakkaita ovat he jotka haluavat kuunnella musiikkia tai muita äänitiedostoja tietokoneella</a:t>
             </a:r>
           </a:p>
         </p:txBody>
@@ -6972,7 +6994,7 @@
           <a:p>
             <a:r>
               <a:rPr lang="fi-FI" dirty="0"/>
-              <a:t>Kuva käyttöliittymästä (näkymä x)</a:t>
+              <a:t>Kuva käyttöliittymästä (perusnäkymä)</a:t>
             </a:r>
           </a:p>
         </p:txBody>
@@ -7083,6 +7105,55 @@
           </a:prstGeom>
         </p:spPr>
       </p:pic>
+      <p:sp>
+        <p:nvSpPr>
+          <p:cNvPr id="4" name="Tekstiruutu 3">
+            <a:extLst>
+              <a:ext uri="{FF2B5EF4-FFF2-40B4-BE49-F238E27FC236}">
+                <a16:creationId xmlns:a16="http://schemas.microsoft.com/office/drawing/2014/main" id="{EA241142-C0FC-FD46-0B9A-092E87D3E391}"/>
+              </a:ext>
+            </a:extLst>
+          </p:cNvPr>
+          <p:cNvSpPr txBox="1"/>
+          <p:nvPr/>
+        </p:nvSpPr>
+        <p:spPr>
+          <a:xfrm>
+            <a:off x="7445623" y="2356737"/>
+            <a:ext cx="1257652" cy="276999"/>
+          </a:xfrm>
+          <a:prstGeom prst="rect">
+            <a:avLst/>
+          </a:prstGeom>
+          <a:noFill/>
+        </p:spPr>
+        <p:txBody>
+          <a:bodyPr wrap="none" rtlCol="0">
+            <a:spAutoFit/>
+          </a:bodyPr>
+          <a:lstStyle/>
+          <a:p>
+            <a:r>
+              <a:rPr lang="fi-FI" sz="1200" dirty="0">
+                <a:latin typeface="Calibri" panose="020F0502020204030204" pitchFamily="34" charset="0"/>
+                <a:cs typeface="Calibri" panose="020F0502020204030204" pitchFamily="34" charset="0"/>
+              </a:rPr>
+              <a:t>Logo </a:t>
+            </a:r>
+            <a:r>
+              <a:rPr lang="fi-FI" sz="1200" dirty="0" err="1">
+                <a:latin typeface="Calibri" panose="020F0502020204030204" pitchFamily="34" charset="0"/>
+                <a:cs typeface="Calibri" panose="020F0502020204030204" pitchFamily="34" charset="0"/>
+              </a:rPr>
+              <a:t>placeholder</a:t>
+            </a:r>
+            <a:endParaRPr lang="fi-FI" sz="1200" dirty="0">
+              <a:latin typeface="Calibri" panose="020F0502020204030204" pitchFamily="34" charset="0"/>
+              <a:cs typeface="Calibri" panose="020F0502020204030204" pitchFamily="34" charset="0"/>
+            </a:endParaRPr>
+          </a:p>
+        </p:txBody>
+      </p:sp>
     </p:spTree>
     <p:extLst>
       <p:ext uri="{BB962C8B-B14F-4D97-AF65-F5344CB8AC3E}">
@@ -8823,12 +8894,12 @@
 </file>
 
 <file path=customXml/item1.xml><?xml version="1.0" encoding="utf-8"?>
-<p:properties xmlns:p="http://schemas.microsoft.com/office/2006/metadata/properties" xmlns:xsi="http://www.w3.org/2001/XMLSchema-instance" xmlns:pc="http://schemas.microsoft.com/office/infopath/2007/PartnerControls">
-  <documentManagement>
-    <Status xmlns="71af3243-3dd4-4a8d-8c0d-dd76da1f02a5">Not started</Status>
-    <MediaServiceKeyPoints xmlns="71af3243-3dd4-4a8d-8c0d-dd76da1f02a5" xsi:nil="true"/>
-  </documentManagement>
-</p:properties>
+<?mso-contentType ?>
+<FormTemplates xmlns="http://schemas.microsoft.com/sharepoint/v3/contenttype/forms">
+  <Display>DocumentLibraryForm</Display>
+  <Edit>DocumentLibraryForm</Edit>
+  <New>DocumentLibraryForm</New>
+</FormTemplates>
 </file>
 
 <file path=customXml/item2.xml><?xml version="1.0" encoding="utf-8"?>
@@ -9053,20 +9124,18 @@
 </file>
 
 <file path=customXml/item3.xml><?xml version="1.0" encoding="utf-8"?>
-<?mso-contentType ?>
-<FormTemplates xmlns="http://schemas.microsoft.com/sharepoint/v3/contenttype/forms">
-  <Display>DocumentLibraryForm</Display>
-  <Edit>DocumentLibraryForm</Edit>
-  <New>DocumentLibraryForm</New>
-</FormTemplates>
+<p:properties xmlns:p="http://schemas.microsoft.com/office/2006/metadata/properties" xmlns:xsi="http://www.w3.org/2001/XMLSchema-instance" xmlns:pc="http://schemas.microsoft.com/office/infopath/2007/PartnerControls">
+  <documentManagement>
+    <Status xmlns="71af3243-3dd4-4a8d-8c0d-dd76da1f02a5">Not started</Status>
+    <MediaServiceKeyPoints xmlns="71af3243-3dd4-4a8d-8c0d-dd76da1f02a5" xsi:nil="true"/>
+  </documentManagement>
+</p:properties>
 </file>
 
 <file path=customXml/itemProps1.xml><?xml version="1.0" encoding="utf-8"?>
-<ds:datastoreItem xmlns:ds="http://schemas.openxmlformats.org/officeDocument/2006/customXml" ds:itemID="{5E15C130-17B0-43C9-B99C-584294C40B51}">
+<ds:datastoreItem xmlns:ds="http://schemas.openxmlformats.org/officeDocument/2006/customXml" ds:itemID="{6E1812AF-5C4C-4B75-9015-C90088D3D4BF}">
   <ds:schemaRefs>
-    <ds:schemaRef ds:uri="http://schemas.microsoft.com/office/2006/metadata/properties"/>
-    <ds:schemaRef ds:uri="http://schemas.microsoft.com/office/infopath/2007/PartnerControls"/>
-    <ds:schemaRef ds:uri="71af3243-3dd4-4a8d-8c0d-dd76da1f02a5"/>
+    <ds:schemaRef ds:uri="http://schemas.microsoft.com/sharepoint/v3/contenttype/forms"/>
   </ds:schemaRefs>
 </ds:datastoreItem>
 </file>
@@ -9091,9 +9160,11 @@
 </file>
 
 <file path=customXml/itemProps3.xml><?xml version="1.0" encoding="utf-8"?>
-<ds:datastoreItem xmlns:ds="http://schemas.openxmlformats.org/officeDocument/2006/customXml" ds:itemID="{6E1812AF-5C4C-4B75-9015-C90088D3D4BF}">
+<ds:datastoreItem xmlns:ds="http://schemas.openxmlformats.org/officeDocument/2006/customXml" ds:itemID="{5E15C130-17B0-43C9-B99C-584294C40B51}">
   <ds:schemaRefs>
-    <ds:schemaRef ds:uri="http://schemas.microsoft.com/sharepoint/v3/contenttype/forms"/>
+    <ds:schemaRef ds:uri="http://schemas.microsoft.com/office/2006/metadata/properties"/>
+    <ds:schemaRef ds:uri="http://schemas.microsoft.com/office/infopath/2007/PartnerControls"/>
+    <ds:schemaRef ds:uri="71af3243-3dd4-4a8d-8c0d-dd76da1f02a5"/>
   </ds:schemaRefs>
 </ds:datastoreItem>
 </file>